--- a/authentication/_reference/postman.pptx
+++ b/authentication/_reference/postman.pptx
@@ -6,16 +6,17 @@
     <p:sldMasterId id="2147483660" r:id="rId2"/>
   </p:sldMasterIdLst>
   <p:notesMasterIdLst>
-    <p:notesMasterId r:id="rId10"/>
+    <p:notesMasterId r:id="rId11"/>
   </p:notesMasterIdLst>
   <p:sldIdLst>
     <p:sldId id="259" r:id="rId3"/>
     <p:sldId id="404" r:id="rId4"/>
     <p:sldId id="403" r:id="rId5"/>
     <p:sldId id="402" r:id="rId6"/>
-    <p:sldId id="409" r:id="rId7"/>
-    <p:sldId id="410" r:id="rId8"/>
-    <p:sldId id="377" r:id="rId9"/>
+    <p:sldId id="411" r:id="rId7"/>
+    <p:sldId id="409" r:id="rId8"/>
+    <p:sldId id="410" r:id="rId9"/>
+    <p:sldId id="377" r:id="rId10"/>
   </p:sldIdLst>
   <p:sldSz cx="12192000" cy="6858000"/>
   <p:notesSz cx="6858000" cy="9144000"/>
@@ -218,7 +219,7 @@
           <a:p>
             <a:fld id="{013D7D23-95FE-4191-B08D-3CBB1E1CEEFE}" type="datetimeFigureOut">
               <a:rPr lang="pt-PT" smtClean="0"/>
-              <a:t>11/12/2024</a:t>
+              <a:t>12/03/2025</a:t>
             </a:fld>
             <a:endParaRPr lang="pt-PT" dirty="0"/>
           </a:p>
@@ -617,7 +618,7 @@
           <a:p>
             <a:fld id="{5C0ED97C-8255-4BAC-9D42-1F6A6651E287}" type="datetime1">
               <a:rPr lang="pt-PT" smtClean="0"/>
-              <a:t>11/12/2024</a:t>
+              <a:t>12/03/2025</a:t>
             </a:fld>
             <a:endParaRPr lang="pt-PT" dirty="0"/>
           </a:p>
@@ -787,7 +788,7 @@
           <a:p>
             <a:fld id="{4FCC8996-E467-4FE1-B165-4002860D0AC7}" type="datetime1">
               <a:rPr lang="pt-PT" smtClean="0"/>
-              <a:t>11/12/2024</a:t>
+              <a:t>12/03/2025</a:t>
             </a:fld>
             <a:endParaRPr lang="pt-PT" dirty="0"/>
           </a:p>
@@ -967,7 +968,7 @@
           <a:p>
             <a:fld id="{C104532E-E792-4BF5-B399-9E5E16070233}" type="datetime1">
               <a:rPr lang="pt-PT" smtClean="0"/>
-              <a:t>11/12/2024</a:t>
+              <a:t>12/03/2025</a:t>
             </a:fld>
             <a:endParaRPr lang="pt-PT" dirty="0"/>
           </a:p>
@@ -1177,7 +1178,7 @@
           <a:p>
             <a:fld id="{FF4AF87E-A15D-4480-B791-15D75F8AF848}" type="datetimeFigureOut">
               <a:rPr lang="pt-PT" smtClean="0"/>
-              <a:t>11/12/2024</a:t>
+              <a:t>12/03/2025</a:t>
             </a:fld>
             <a:endParaRPr lang="pt-PT"/>
           </a:p>
@@ -1377,7 +1378,7 @@
           <a:p>
             <a:fld id="{FF4AF87E-A15D-4480-B791-15D75F8AF848}" type="datetimeFigureOut">
               <a:rPr lang="pt-PT" smtClean="0"/>
-              <a:t>11/12/2024</a:t>
+              <a:t>12/03/2025</a:t>
             </a:fld>
             <a:endParaRPr lang="pt-PT"/>
           </a:p>
@@ -1653,7 +1654,7 @@
           <a:p>
             <a:fld id="{FF4AF87E-A15D-4480-B791-15D75F8AF848}" type="datetimeFigureOut">
               <a:rPr lang="pt-PT" smtClean="0"/>
-              <a:t>11/12/2024</a:t>
+              <a:t>12/03/2025</a:t>
             </a:fld>
             <a:endParaRPr lang="pt-PT"/>
           </a:p>
@@ -1921,7 +1922,7 @@
           <a:p>
             <a:fld id="{FF4AF87E-A15D-4480-B791-15D75F8AF848}" type="datetimeFigureOut">
               <a:rPr lang="pt-PT" smtClean="0"/>
-              <a:t>11/12/2024</a:t>
+              <a:t>12/03/2025</a:t>
             </a:fld>
             <a:endParaRPr lang="pt-PT"/>
           </a:p>
@@ -2336,7 +2337,7 @@
           <a:p>
             <a:fld id="{FF4AF87E-A15D-4480-B791-15D75F8AF848}" type="datetimeFigureOut">
               <a:rPr lang="pt-PT" smtClean="0"/>
-              <a:t>11/12/2024</a:t>
+              <a:t>12/03/2025</a:t>
             </a:fld>
             <a:endParaRPr lang="pt-PT"/>
           </a:p>
@@ -2478,7 +2479,7 @@
           <a:p>
             <a:fld id="{FF4AF87E-A15D-4480-B791-15D75F8AF848}" type="datetimeFigureOut">
               <a:rPr lang="pt-PT" smtClean="0"/>
-              <a:t>11/12/2024</a:t>
+              <a:t>12/03/2025</a:t>
             </a:fld>
             <a:endParaRPr lang="pt-PT"/>
           </a:p>
@@ -2591,7 +2592,7 @@
           <a:p>
             <a:fld id="{FF4AF87E-A15D-4480-B791-15D75F8AF848}" type="datetimeFigureOut">
               <a:rPr lang="pt-PT" smtClean="0"/>
-              <a:t>11/12/2024</a:t>
+              <a:t>12/03/2025</a:t>
             </a:fld>
             <a:endParaRPr lang="pt-PT"/>
           </a:p>
@@ -2904,7 +2905,7 @@
           <a:p>
             <a:fld id="{FF4AF87E-A15D-4480-B791-15D75F8AF848}" type="datetimeFigureOut">
               <a:rPr lang="pt-PT" smtClean="0"/>
-              <a:t>11/12/2024</a:t>
+              <a:t>12/03/2025</a:t>
             </a:fld>
             <a:endParaRPr lang="pt-PT"/>
           </a:p>
@@ -3086,7 +3087,7 @@
           <a:p>
             <a:fld id="{5FC36660-F7C2-4C37-BD61-E2E985519A54}" type="datetime1">
               <a:rPr lang="pt-PT" smtClean="0"/>
-              <a:t>11/12/2024</a:t>
+              <a:t>12/03/2025</a:t>
             </a:fld>
             <a:endParaRPr lang="pt-PT" dirty="0"/>
           </a:p>
@@ -3363,7 +3364,7 @@
           <a:p>
             <a:fld id="{FF4AF87E-A15D-4480-B791-15D75F8AF848}" type="datetimeFigureOut">
               <a:rPr lang="pt-PT" smtClean="0"/>
-              <a:t>11/12/2024</a:t>
+              <a:t>12/03/2025</a:t>
             </a:fld>
             <a:endParaRPr lang="pt-PT"/>
           </a:p>
@@ -3563,7 +3564,7 @@
           <a:p>
             <a:fld id="{FF4AF87E-A15D-4480-B791-15D75F8AF848}" type="datetimeFigureOut">
               <a:rPr lang="pt-PT" smtClean="0"/>
-              <a:t>11/12/2024</a:t>
+              <a:t>12/03/2025</a:t>
             </a:fld>
             <a:endParaRPr lang="pt-PT"/>
           </a:p>
@@ -3773,7 +3774,7 @@
           <a:p>
             <a:fld id="{FF4AF87E-A15D-4480-B791-15D75F8AF848}" type="datetimeFigureOut">
               <a:rPr lang="pt-PT" smtClean="0"/>
-              <a:t>11/12/2024</a:t>
+              <a:t>12/03/2025</a:t>
             </a:fld>
             <a:endParaRPr lang="pt-PT"/>
           </a:p>
@@ -4031,7 +4032,7 @@
           <a:p>
             <a:fld id="{EC1C553A-1723-4842-A3DB-E76BD21F5C6D}" type="datetime1">
               <a:rPr lang="pt-PT" smtClean="0"/>
-              <a:t>11/12/2024</a:t>
+              <a:t>12/03/2025</a:t>
             </a:fld>
             <a:endParaRPr lang="pt-PT" dirty="0"/>
           </a:p>
@@ -4263,7 +4264,7 @@
           <a:p>
             <a:fld id="{CE9B351E-3840-4886-B007-BC84D7C14686}" type="datetime1">
               <a:rPr lang="pt-PT" smtClean="0"/>
-              <a:t>11/12/2024</a:t>
+              <a:t>12/03/2025</a:t>
             </a:fld>
             <a:endParaRPr lang="pt-PT" dirty="0"/>
           </a:p>
@@ -4630,7 +4631,7 @@
           <a:p>
             <a:fld id="{C8686839-F4ED-436E-9AC9-AC7A0A0CD179}" type="datetime1">
               <a:rPr lang="pt-PT" smtClean="0"/>
-              <a:t>11/12/2024</a:t>
+              <a:t>12/03/2025</a:t>
             </a:fld>
             <a:endParaRPr lang="pt-PT" dirty="0"/>
           </a:p>
@@ -4748,7 +4749,7 @@
           <a:p>
             <a:fld id="{2AB82247-1A7C-4F98-8F33-5E4D07EFBF12}" type="datetime1">
               <a:rPr lang="pt-PT" smtClean="0"/>
-              <a:t>11/12/2024</a:t>
+              <a:t>12/03/2025</a:t>
             </a:fld>
             <a:endParaRPr lang="pt-PT" dirty="0"/>
           </a:p>
@@ -4843,7 +4844,7 @@
           <a:p>
             <a:fld id="{AFE320DE-3391-4A27-9653-F2BD505B9A08}" type="datetime1">
               <a:rPr lang="pt-PT" smtClean="0"/>
-              <a:t>11/12/2024</a:t>
+              <a:t>12/03/2025</a:t>
             </a:fld>
             <a:endParaRPr lang="pt-PT" dirty="0"/>
           </a:p>
@@ -5120,7 +5121,7 @@
           <a:p>
             <a:fld id="{E69250C8-88B2-4209-BD56-05813AC521DC}" type="datetime1">
               <a:rPr lang="pt-PT" smtClean="0"/>
-              <a:t>11/12/2024</a:t>
+              <a:t>12/03/2025</a:t>
             </a:fld>
             <a:endParaRPr lang="pt-PT" dirty="0"/>
           </a:p>
@@ -5373,7 +5374,7 @@
           <a:p>
             <a:fld id="{0B847055-2F12-42A4-9432-334276564B1D}" type="datetime1">
               <a:rPr lang="pt-PT" smtClean="0"/>
-              <a:t>11/12/2024</a:t>
+              <a:t>12/03/2025</a:t>
             </a:fld>
             <a:endParaRPr lang="pt-PT" dirty="0"/>
           </a:p>
@@ -5586,7 +5587,7 @@
           <a:p>
             <a:fld id="{B0883CD8-EC5B-4369-8F97-BE1E84F10887}" type="datetime1">
               <a:rPr lang="pt-PT" smtClean="0"/>
-              <a:t>11/12/2024</a:t>
+              <a:t>12/03/2025</a:t>
             </a:fld>
             <a:endParaRPr lang="pt-PT" dirty="0"/>
           </a:p>
@@ -6145,7 +6146,7 @@
           <a:p>
             <a:fld id="{FF4AF87E-A15D-4480-B791-15D75F8AF848}" type="datetimeFigureOut">
               <a:rPr lang="pt-PT" smtClean="0"/>
-              <a:t>11/12/2024</a:t>
+              <a:t>12/03/2025</a:t>
             </a:fld>
             <a:endParaRPr lang="pt-PT"/>
           </a:p>
@@ -8535,7 +8536,7 @@
         <p:spPr>
           <a:xfrm>
             <a:off x="670682" y="266291"/>
-            <a:ext cx="3182679" cy="879076"/>
+            <a:ext cx="5777327" cy="1595734"/>
           </a:xfrm>
           <a:prstGeom prst="rect">
             <a:avLst/>
@@ -8657,7 +8658,7 @@
         </p:nvSpPr>
         <p:spPr>
           <a:xfrm>
-            <a:off x="3150922" y="352926"/>
+            <a:off x="5412829" y="513793"/>
             <a:ext cx="622984" cy="218056"/>
           </a:xfrm>
           <a:prstGeom prst="rect">
@@ -8733,8 +8734,8 @@
         </p:blipFill>
         <p:spPr>
           <a:xfrm>
-            <a:off x="670682" y="1295472"/>
-            <a:ext cx="3212832" cy="1055487"/>
+            <a:off x="670681" y="2087105"/>
+            <a:ext cx="6661451" cy="2188435"/>
           </a:xfrm>
           <a:prstGeom prst="rect">
             <a:avLst/>
@@ -8770,7 +8771,7 @@
         </p:nvSpPr>
         <p:spPr>
           <a:xfrm>
-            <a:off x="175382" y="1289050"/>
+            <a:off x="175382" y="2080683"/>
             <a:ext cx="495300" cy="465224"/>
           </a:xfrm>
           <a:prstGeom prst="ellipse">
@@ -8856,8 +8857,8 @@
         </p:nvSpPr>
         <p:spPr>
           <a:xfrm>
-            <a:off x="925079" y="1823215"/>
-            <a:ext cx="602931" cy="147578"/>
+            <a:off x="1348412" y="3224447"/>
+            <a:ext cx="734388" cy="174919"/>
           </a:xfrm>
           <a:prstGeom prst="rect">
             <a:avLst/>
@@ -8924,8 +8925,8 @@
         </p:nvSpPr>
         <p:spPr>
           <a:xfrm>
-            <a:off x="2040150" y="1968658"/>
-            <a:ext cx="1733756" cy="388723"/>
+            <a:off x="3853360" y="3804996"/>
+            <a:ext cx="3118939" cy="388723"/>
           </a:xfrm>
           <a:prstGeom prst="rect">
             <a:avLst/>
@@ -8992,7 +8993,7 @@
         </p:nvSpPr>
         <p:spPr>
           <a:xfrm>
-            <a:off x="3966978" y="1968658"/>
+            <a:off x="7535605" y="2882472"/>
             <a:ext cx="1000842" cy="257369"/>
           </a:xfrm>
           <a:prstGeom prst="wedgeRectCallout">
@@ -9099,8 +9100,8 @@
         </p:blipFill>
         <p:spPr>
           <a:xfrm>
-            <a:off x="670682" y="2539157"/>
-            <a:ext cx="3247602" cy="892973"/>
+            <a:off x="584275" y="4500620"/>
+            <a:ext cx="7853325" cy="2159380"/>
           </a:xfrm>
           <a:prstGeom prst="rect">
             <a:avLst/>
@@ -9136,7 +9137,7 @@
         </p:nvSpPr>
         <p:spPr>
           <a:xfrm>
-            <a:off x="234836" y="2492023"/>
+            <a:off x="148430" y="4453486"/>
             <a:ext cx="495300" cy="465224"/>
           </a:xfrm>
           <a:prstGeom prst="ellipse">
@@ -9222,7 +9223,7 @@
         </p:nvSpPr>
         <p:spPr>
           <a:xfrm>
-            <a:off x="4106779" y="2672292"/>
+            <a:off x="8640679" y="5266959"/>
             <a:ext cx="1109847" cy="626701"/>
           </a:xfrm>
           <a:prstGeom prst="wedgeRectCallout">
@@ -9338,12 +9339,199 @@
           </a:p>
         </p:txBody>
       </p:sp>
+    </p:spTree>
+    <p:extLst>
+      <p:ext uri="{BB962C8B-B14F-4D97-AF65-F5344CB8AC3E}">
+        <p14:creationId xmlns:p14="http://schemas.microsoft.com/office/powerpoint/2010/main" val="4052887885"/>
+      </p:ext>
+    </p:extLst>
+  </p:cSld>
+  <p:clrMapOvr>
+    <a:masterClrMapping/>
+  </p:clrMapOvr>
+</p:sld>
+</file>
+
+<file path=ppt/slides/slide5.xml><?xml version="1.0" encoding="utf-8"?>
+<p:sld xmlns:a="http://schemas.openxmlformats.org/drawingml/2006/main" xmlns:r="http://schemas.openxmlformats.org/officeDocument/2006/relationships" xmlns:p="http://schemas.openxmlformats.org/presentationml/2006/main">
+  <p:cSld>
+    <p:bg>
+      <p:bgPr>
+        <a:solidFill>
+          <a:schemeClr val="tx1"/>
+        </a:solidFill>
+        <a:effectLst/>
+      </p:bgPr>
+    </p:bg>
+    <p:spTree>
+      <p:nvGrpSpPr>
+        <p:cNvPr id="1" name="">
+          <a:extLst>
+            <a:ext uri="{FF2B5EF4-FFF2-40B4-BE49-F238E27FC236}">
+              <a16:creationId xmlns:a16="http://schemas.microsoft.com/office/drawing/2014/main" id="{D45413C8-9FDF-9C12-BA33-3C053F5EF493}"/>
+            </a:ext>
+          </a:extLst>
+        </p:cNvPr>
+        <p:cNvGrpSpPr/>
+        <p:nvPr/>
+      </p:nvGrpSpPr>
+      <p:grpSpPr>
+        <a:xfrm>
+          <a:off x="0" y="0"/>
+          <a:ext cx="0" cy="0"/>
+          <a:chOff x="0" y="0"/>
+          <a:chExt cx="0" cy="0"/>
+        </a:xfrm>
+      </p:grpSpPr>
+      <p:sp>
+        <p:nvSpPr>
+          <p:cNvPr id="5" name="Rectangle 4">
+            <a:extLst>
+              <a:ext uri="{FF2B5EF4-FFF2-40B4-BE49-F238E27FC236}">
+                <a16:creationId xmlns:a16="http://schemas.microsoft.com/office/drawing/2014/main" id="{35C82AF8-499A-256A-8C00-D7B15CFAABAA}"/>
+              </a:ext>
+            </a:extLst>
+          </p:cNvPr>
+          <p:cNvSpPr/>
+          <p:nvPr/>
+        </p:nvSpPr>
+        <p:spPr>
+          <a:xfrm>
+            <a:off x="86598" y="180000"/>
+            <a:ext cx="207692" cy="6480000"/>
+          </a:xfrm>
+          <a:prstGeom prst="rect">
+            <a:avLst/>
+          </a:prstGeom>
+          <a:solidFill>
+            <a:schemeClr val="tx1"/>
+          </a:solidFill>
+          <a:ln w="25400"/>
+          <a:effectLst>
+            <a:outerShdw blurRad="50800" dist="63500" dir="2700000" algn="tl" rotWithShape="0">
+              <a:schemeClr val="bg1">
+                <a:alpha val="40000"/>
+              </a:schemeClr>
+            </a:outerShdw>
+          </a:effectLst>
+        </p:spPr>
+        <p:style>
+          <a:lnRef idx="2">
+            <a:schemeClr val="accent1">
+              <a:shade val="50000"/>
+            </a:schemeClr>
+          </a:lnRef>
+          <a:fillRef idx="1">
+            <a:schemeClr val="accent1"/>
+          </a:fillRef>
+          <a:effectRef idx="0">
+            <a:schemeClr val="accent1"/>
+          </a:effectRef>
+          <a:fontRef idx="minor">
+            <a:schemeClr val="lt1"/>
+          </a:fontRef>
+        </p:style>
+        <p:txBody>
+          <a:bodyPr rtlCol="0" anchor="ctr"/>
+          <a:lstStyle/>
+          <a:p>
+            <a:pPr marL="0" marR="0" lvl="0" indent="0" algn="ctr" defTabSz="914400" rtl="0" eaLnBrk="1" fontAlgn="auto" latinLnBrk="0" hangingPunct="1">
+              <a:lnSpc>
+                <a:spcPct val="100000"/>
+              </a:lnSpc>
+              <a:spcBef>
+                <a:spcPts val="0"/>
+              </a:spcBef>
+              <a:spcAft>
+                <a:spcPts val="0"/>
+              </a:spcAft>
+              <a:buClrTx/>
+              <a:buSzTx/>
+              <a:buFontTx/>
+              <a:buNone/>
+              <a:tabLst/>
+              <a:defRPr/>
+            </a:pPr>
+            <a:endParaRPr kumimoji="0" lang="pt-PT" sz="1800" b="0" i="0" u="none" strike="noStrike" kern="1200" cap="none" spc="0" normalizeH="0" baseline="0" noProof="0">
+              <a:ln>
+                <a:noFill/>
+              </a:ln>
+              <a:solidFill>
+                <a:prstClr val="white"/>
+              </a:solidFill>
+              <a:effectLst/>
+              <a:uLnTx/>
+              <a:uFillTx/>
+              <a:latin typeface="Calibri" panose="020F0502020204030204"/>
+              <a:ea typeface="+mn-ea"/>
+              <a:cs typeface="+mn-cs"/>
+            </a:endParaRPr>
+          </a:p>
+        </p:txBody>
+      </p:sp>
+      <p:sp>
+        <p:nvSpPr>
+          <p:cNvPr id="2" name="Title 1">
+            <a:extLst>
+              <a:ext uri="{FF2B5EF4-FFF2-40B4-BE49-F238E27FC236}">
+                <a16:creationId xmlns:a16="http://schemas.microsoft.com/office/drawing/2014/main" id="{DA57DEDB-5106-25A2-D0ED-FDC223595BFE}"/>
+              </a:ext>
+            </a:extLst>
+          </p:cNvPr>
+          <p:cNvSpPr>
+            <a:spLocks noGrp="1"/>
+          </p:cNvSpPr>
+          <p:nvPr>
+            <p:ph type="ctrTitle"/>
+          </p:nvPr>
+        </p:nvSpPr>
+        <p:spPr>
+          <a:xfrm>
+            <a:off x="0" y="-317293"/>
+            <a:ext cx="846065" cy="258532"/>
+          </a:xfrm>
+          <a:noFill/>
+          <a:ln w="25400">
+            <a:noFill/>
+          </a:ln>
+        </p:spPr>
+        <p:txBody>
+          <a:bodyPr vert="horz" wrap="none" lIns="91440" tIns="45720" rIns="91440" bIns="45720" rtlCol="0" anchor="t">
+            <a:spAutoFit/>
+          </a:bodyPr>
+          <a:lstStyle/>
+          <a:p>
+            <a:pPr algn="l"/>
+            <a:r>
+              <a:rPr lang="en-US" sz="1200" dirty="0">
+                <a:solidFill>
+                  <a:schemeClr val="bg2">
+                    <a:lumMod val="25000"/>
+                  </a:schemeClr>
+                </a:solidFill>
+                <a:sym typeface="Wingdings" panose="05000000000000000000" pitchFamily="2" charset="2"/>
+              </a:rPr>
+              <a:t>3.1 </a:t>
+            </a:r>
+            <a:r>
+              <a:rPr lang="en-US" sz="1200" dirty="0">
+                <a:solidFill>
+                  <a:schemeClr val="bg2">
+                    <a:lumMod val="25000"/>
+                  </a:schemeClr>
+                </a:solidFill>
+              </a:rPr>
+              <a:t>read me 1</a:t>
+            </a:r>
+          </a:p>
+        </p:txBody>
+      </p:sp>
       <p:pic>
         <p:nvPicPr>
           <p:cNvPr id="35" name="Picture 34">
             <a:extLst>
               <a:ext uri="{FF2B5EF4-FFF2-40B4-BE49-F238E27FC236}">
-                <a16:creationId xmlns:a16="http://schemas.microsoft.com/office/drawing/2014/main" id="{0D8985F6-1824-757A-10AF-D80B76548A5F}"/>
+                <a16:creationId xmlns:a16="http://schemas.microsoft.com/office/drawing/2014/main" id="{D8F14233-9A9C-DE9F-4B2B-E13DD256166E}"/>
               </a:ext>
             </a:extLst>
           </p:cNvPr>
@@ -9353,15 +9541,15 @@
           <p:nvPr/>
         </p:nvPicPr>
         <p:blipFill>
-          <a:blip r:embed="rId5"/>
+          <a:blip r:embed="rId2"/>
           <a:stretch>
             <a:fillRect/>
           </a:stretch>
         </p:blipFill>
         <p:spPr>
           <a:xfrm>
-            <a:off x="647352" y="3620328"/>
-            <a:ext cx="5953480" cy="1332672"/>
+            <a:off x="647351" y="491917"/>
+            <a:ext cx="8219889" cy="1840002"/>
           </a:xfrm>
           <a:prstGeom prst="rect">
             <a:avLst/>
@@ -9388,7 +9576,7 @@
           <p:cNvPr id="36" name="Oval 35">
             <a:extLst>
               <a:ext uri="{FF2B5EF4-FFF2-40B4-BE49-F238E27FC236}">
-                <a16:creationId xmlns:a16="http://schemas.microsoft.com/office/drawing/2014/main" id="{DA12DB9A-6248-93B3-363F-5CF2C85534D0}"/>
+                <a16:creationId xmlns:a16="http://schemas.microsoft.com/office/drawing/2014/main" id="{10A978F5-1B55-31A1-EE42-B220F8D81769}"/>
               </a:ext>
             </a:extLst>
           </p:cNvPr>
@@ -9397,7 +9585,7 @@
         </p:nvSpPr>
         <p:spPr>
           <a:xfrm>
-            <a:off x="234836" y="3642621"/>
+            <a:off x="190444" y="387579"/>
             <a:ext cx="495300" cy="465224"/>
           </a:xfrm>
           <a:prstGeom prst="ellipse">
@@ -9474,7 +9662,7 @@
           <p:cNvPr id="37" name="Speech Bubble: Rectangle 36">
             <a:extLst>
               <a:ext uri="{FF2B5EF4-FFF2-40B4-BE49-F238E27FC236}">
-                <a16:creationId xmlns:a16="http://schemas.microsoft.com/office/drawing/2014/main" id="{CA048BC4-FDFA-7D52-A306-64DBC24C797D}"/>
+                <a16:creationId xmlns:a16="http://schemas.microsoft.com/office/drawing/2014/main" id="{0F107C26-2179-BCF3-FAD7-3C760FC6E59A}"/>
               </a:ext>
             </a:extLst>
           </p:cNvPr>
@@ -9483,7 +9671,7 @@
         </p:nvSpPr>
         <p:spPr>
           <a:xfrm>
-            <a:off x="6785810" y="3756959"/>
+            <a:off x="9067577" y="852803"/>
             <a:ext cx="1109847" cy="626701"/>
           </a:xfrm>
           <a:prstGeom prst="wedgeRectCallout">
@@ -9604,7 +9792,7 @@
           <p:cNvPr id="39" name="Picture 38">
             <a:extLst>
               <a:ext uri="{FF2B5EF4-FFF2-40B4-BE49-F238E27FC236}">
-                <a16:creationId xmlns:a16="http://schemas.microsoft.com/office/drawing/2014/main" id="{A125E7B9-6B77-41A6-80C3-1CEDED92F6CA}"/>
+                <a16:creationId xmlns:a16="http://schemas.microsoft.com/office/drawing/2014/main" id="{8ADF5F4E-D678-45B9-CBF0-F3102147E25C}"/>
               </a:ext>
             </a:extLst>
           </p:cNvPr>
@@ -9614,15 +9802,15 @@
           <p:nvPr/>
         </p:nvPicPr>
         <p:blipFill>
-          <a:blip r:embed="rId6"/>
+          <a:blip r:embed="rId3"/>
           <a:stretch>
             <a:fillRect/>
           </a:stretch>
         </p:blipFill>
         <p:spPr>
           <a:xfrm>
-            <a:off x="730136" y="5263530"/>
-            <a:ext cx="5855368" cy="1304940"/>
+            <a:off x="647352" y="2935196"/>
+            <a:ext cx="8256238" cy="1840003"/>
           </a:xfrm>
           <a:prstGeom prst="rect">
             <a:avLst/>
@@ -9649,7 +9837,7 @@
           <p:cNvPr id="40" name="Oval 39">
             <a:extLst>
               <a:ext uri="{FF2B5EF4-FFF2-40B4-BE49-F238E27FC236}">
-                <a16:creationId xmlns:a16="http://schemas.microsoft.com/office/drawing/2014/main" id="{C0A63DE4-E657-ACA7-F6CD-D2C9B2FE6371}"/>
+                <a16:creationId xmlns:a16="http://schemas.microsoft.com/office/drawing/2014/main" id="{AD8F0F0A-5241-99E4-3CD0-57D6ED58E8A1}"/>
               </a:ext>
             </a:extLst>
           </p:cNvPr>
@@ -9658,7 +9846,7 @@
         </p:nvSpPr>
         <p:spPr>
           <a:xfrm>
-            <a:off x="259119" y="5249827"/>
+            <a:off x="176335" y="2921494"/>
             <a:ext cx="495300" cy="465224"/>
           </a:xfrm>
           <a:prstGeom prst="ellipse">
@@ -9749,7 +9937,7 @@
           <p:cNvPr id="41" name="Speech Bubble: Rectangle 40">
             <a:extLst>
               <a:ext uri="{FF2B5EF4-FFF2-40B4-BE49-F238E27FC236}">
-                <a16:creationId xmlns:a16="http://schemas.microsoft.com/office/drawing/2014/main" id="{7DD16F65-C1D5-AD48-71F0-5854B9B09988}"/>
+                <a16:creationId xmlns:a16="http://schemas.microsoft.com/office/drawing/2014/main" id="{2D941981-E569-674D-B503-BB02042B9A4A}"/>
               </a:ext>
             </a:extLst>
           </p:cNvPr>
@@ -9758,7 +9946,7 @@
         </p:nvSpPr>
         <p:spPr>
           <a:xfrm>
-            <a:off x="6749715" y="5602649"/>
+            <a:off x="9004144" y="3073367"/>
             <a:ext cx="1109847" cy="626701"/>
           </a:xfrm>
           <a:prstGeom prst="wedgeRectCallout">
@@ -9879,7 +10067,7 @@
           <p:cNvPr id="42" name="Right Brace 41">
             <a:extLst>
               <a:ext uri="{FF2B5EF4-FFF2-40B4-BE49-F238E27FC236}">
-                <a16:creationId xmlns:a16="http://schemas.microsoft.com/office/drawing/2014/main" id="{8C2D0BEB-0995-3B8B-CF72-3EA284A17C95}"/>
+                <a16:creationId xmlns:a16="http://schemas.microsoft.com/office/drawing/2014/main" id="{85D7AF12-F7F9-C5BF-F235-D090F3DAC5E8}"/>
               </a:ext>
             </a:extLst>
           </p:cNvPr>
@@ -9888,8 +10076,8 @@
         </p:nvSpPr>
         <p:spPr>
           <a:xfrm>
-            <a:off x="8025063" y="3485147"/>
-            <a:ext cx="324853" cy="3052011"/>
+            <a:off x="10115997" y="491917"/>
+            <a:ext cx="324853" cy="6256016"/>
           </a:xfrm>
           <a:prstGeom prst="rightBrace">
             <a:avLst/>
@@ -9923,7 +10111,7 @@
           <p:cNvPr id="43" name="Speech Bubble: Rectangle 42">
             <a:extLst>
               <a:ext uri="{FF2B5EF4-FFF2-40B4-BE49-F238E27FC236}">
-                <a16:creationId xmlns:a16="http://schemas.microsoft.com/office/drawing/2014/main" id="{FCAB9314-5A8F-306F-A0D9-C64E2D0DEA40}"/>
+                <a16:creationId xmlns:a16="http://schemas.microsoft.com/office/drawing/2014/main" id="{067BB2A1-7124-6083-888F-8DE141799C05}"/>
               </a:ext>
             </a:extLst>
           </p:cNvPr>
@@ -9932,7 +10120,7 @@
         </p:nvSpPr>
         <p:spPr>
           <a:xfrm>
-            <a:off x="8479322" y="4697801"/>
+            <a:off x="10444861" y="2636167"/>
             <a:ext cx="1635631" cy="626701"/>
           </a:xfrm>
           <a:prstGeom prst="wedgeRectCallout">
@@ -10054,7 +10242,7 @@
     </p:spTree>
     <p:extLst>
       <p:ext uri="{BB962C8B-B14F-4D97-AF65-F5344CB8AC3E}">
-        <p14:creationId xmlns:p14="http://schemas.microsoft.com/office/powerpoint/2010/main" val="4052887885"/>
+        <p14:creationId xmlns:p14="http://schemas.microsoft.com/office/powerpoint/2010/main" val="1138618775"/>
       </p:ext>
     </p:extLst>
   </p:cSld>
@@ -10064,7 +10252,7 @@
 </p:sld>
 </file>
 
-<file path=ppt/slides/slide5.xml><?xml version="1.0" encoding="utf-8"?>
+<file path=ppt/slides/slide6.xml><?xml version="1.0" encoding="utf-8"?>
 <p:sld xmlns:a="http://schemas.openxmlformats.org/drawingml/2006/main" xmlns:r="http://schemas.openxmlformats.org/officeDocument/2006/relationships" xmlns:p="http://schemas.openxmlformats.org/presentationml/2006/main">
   <p:cSld>
     <p:bg>
@@ -11124,7 +11312,7 @@
 </p:sld>
 </file>
 
-<file path=ppt/slides/slide6.xml><?xml version="1.0" encoding="utf-8"?>
+<file path=ppt/slides/slide7.xml><?xml version="1.0" encoding="utf-8"?>
 <p:sld xmlns:a="http://schemas.openxmlformats.org/drawingml/2006/main" xmlns:r="http://schemas.openxmlformats.org/officeDocument/2006/relationships" xmlns:p="http://schemas.openxmlformats.org/presentationml/2006/main">
   <p:cSld>
     <p:bg>
@@ -12178,7 +12366,7 @@
 </p:sld>
 </file>
 
-<file path=ppt/slides/slide7.xml><?xml version="1.0" encoding="utf-8"?>
+<file path=ppt/slides/slide8.xml><?xml version="1.0" encoding="utf-8"?>
 <p:sld xmlns:a="http://schemas.openxmlformats.org/drawingml/2006/main" xmlns:r="http://schemas.openxmlformats.org/officeDocument/2006/relationships" xmlns:p="http://schemas.openxmlformats.org/presentationml/2006/main">
   <p:cSld>
     <p:bg>
